--- a/HEX_PPT.pptx
+++ b/HEX_PPT.pptx
@@ -10834,12 +10834,20 @@
               <a:defRPr/>
             </a:pPr>
             <a:r>
-              <a:rPr lang="en-US" altLang="ko-KR" sz="1000">
+              <a:rPr lang="en-US" altLang="ko-KR" sz="1200" dirty="0" err="1">
                 <a:solidFill>
                   <a:srgbClr val="FF0000"/>
                 </a:solidFill>
               </a:rPr>
-              <a:t>DigiPen Academy</a:t>
+              <a:t>DigiPen</a:t>
+            </a:r>
+            <a:r>
+              <a:rPr lang="en-US" altLang="ko-KR" sz="1200" dirty="0">
+                <a:solidFill>
+                  <a:srgbClr val="FF0000"/>
+                </a:solidFill>
+              </a:rPr>
+              <a:t> Academy</a:t>
             </a:r>
           </a:p>
         </p:txBody>
@@ -11013,7 +11021,7 @@
               <a:defRPr/>
             </a:pPr>
             <a:r>
-              <a:rPr kumimoji="0" lang="en-US" altLang="ko-KR" sz="1200" b="0" i="0" u="none" strike="noStrike" kern="1200" cap="none" spc="300" normalizeH="0" baseline="0">
+              <a:rPr kumimoji="0" lang="en-US" altLang="ko-KR" sz="1600" b="0" i="0" u="none" strike="noStrike" kern="1200" cap="none" spc="300" normalizeH="0" baseline="0" dirty="0">
                 <a:solidFill>
                   <a:schemeClr val="bg1">
                     <a:lumMod val="95000"/>
@@ -11023,8 +11031,31 @@
                 <a:ea typeface="+mn-ea"/>
                 <a:cs typeface="+mn-cs"/>
               </a:rPr>
-              <a:t>Beak musong</a:t>
+              <a:t>Beak </a:t>
             </a:r>
+            <a:r>
+              <a:rPr kumimoji="0" lang="en-US" altLang="ko-KR" sz="1600" b="0" i="0" u="none" strike="noStrike" kern="1200" cap="none" spc="300" normalizeH="0" baseline="0" dirty="0" err="1">
+                <a:solidFill>
+                  <a:schemeClr val="bg1">
+                    <a:lumMod val="95000"/>
+                  </a:schemeClr>
+                </a:solidFill>
+                <a:latin typeface="+mn-lt"/>
+                <a:ea typeface="+mn-ea"/>
+                <a:cs typeface="+mn-cs"/>
+              </a:rPr>
+              <a:t>musong</a:t>
+            </a:r>
+            <a:endParaRPr kumimoji="0" lang="en-US" altLang="ko-KR" sz="1600" b="0" i="0" u="none" strike="noStrike" kern="1200" cap="none" spc="300" normalizeH="0" baseline="0" dirty="0">
+              <a:solidFill>
+                <a:schemeClr val="bg1">
+                  <a:lumMod val="95000"/>
+                </a:schemeClr>
+              </a:solidFill>
+              <a:latin typeface="+mn-lt"/>
+              <a:ea typeface="+mn-ea"/>
+              <a:cs typeface="+mn-cs"/>
+            </a:endParaRPr>
           </a:p>
         </p:txBody>
       </p:sp>
@@ -11073,7 +11104,7 @@
               <a:defRPr/>
             </a:pPr>
             <a:r>
-              <a:rPr kumimoji="0" lang="en-US" altLang="ko-KR" sz="1200" b="0" i="0" u="none" strike="noStrike" kern="1200" cap="none" spc="300" normalizeH="0" baseline="0">
+              <a:rPr kumimoji="0" lang="en-US" altLang="ko-KR" sz="1600" b="0" i="0" u="none" strike="noStrike" kern="1200" cap="none" spc="300" normalizeH="0" baseline="0" dirty="0">
                 <a:solidFill>
                   <a:schemeClr val="bg1">
                     <a:lumMod val="95000"/>
@@ -11083,8 +11114,31 @@
                 <a:ea typeface="+mn-ea"/>
                 <a:cs typeface="+mn-cs"/>
               </a:rPr>
-              <a:t>Choi changgyu</a:t>
+              <a:t>Choi </a:t>
             </a:r>
+            <a:r>
+              <a:rPr kumimoji="0" lang="en-US" altLang="ko-KR" sz="1600" b="0" i="0" u="none" strike="noStrike" kern="1200" cap="none" spc="300" normalizeH="0" baseline="0" dirty="0" err="1">
+                <a:solidFill>
+                  <a:schemeClr val="bg1">
+                    <a:lumMod val="95000"/>
+                  </a:schemeClr>
+                </a:solidFill>
+                <a:latin typeface="+mn-lt"/>
+                <a:ea typeface="+mn-ea"/>
+                <a:cs typeface="+mn-cs"/>
+              </a:rPr>
+              <a:t>changgyu</a:t>
+            </a:r>
+            <a:endParaRPr kumimoji="0" lang="en-US" altLang="ko-KR" sz="1600" b="0" i="0" u="none" strike="noStrike" kern="1200" cap="none" spc="300" normalizeH="0" baseline="0" dirty="0">
+              <a:solidFill>
+                <a:schemeClr val="bg1">
+                  <a:lumMod val="95000"/>
+                </a:schemeClr>
+              </a:solidFill>
+              <a:latin typeface="+mn-lt"/>
+              <a:ea typeface="+mn-ea"/>
+              <a:cs typeface="+mn-cs"/>
+            </a:endParaRPr>
           </a:p>
         </p:txBody>
       </p:sp>

--- a/HEX_PPT.pptx
+++ b/HEX_PPT.pptx
@@ -5,7 +5,7 @@
     <p:sldMasterId id="2147483678" r:id="rId1"/>
   </p:sldMasterIdLst>
   <p:notesMasterIdLst>
-    <p:notesMasterId r:id="rId12"/>
+    <p:notesMasterId r:id="rId11"/>
   </p:notesMasterIdLst>
   <p:sldIdLst>
     <p:sldId id="256" r:id="rId2"/>
@@ -14,10 +14,9 @@
     <p:sldId id="262" r:id="rId5"/>
     <p:sldId id="263" r:id="rId6"/>
     <p:sldId id="257" r:id="rId7"/>
-    <p:sldId id="260" r:id="rId8"/>
-    <p:sldId id="264" r:id="rId9"/>
-    <p:sldId id="267" r:id="rId10"/>
-    <p:sldId id="266" r:id="rId11"/>
+    <p:sldId id="264" r:id="rId8"/>
+    <p:sldId id="267" r:id="rId9"/>
+    <p:sldId id="266" r:id="rId10"/>
   </p:sldIdLst>
   <p:sldSz cx="9144000" cy="6858000" type="screen4x3"/>
   <p:notesSz cx="6858000" cy="9144000"/>
@@ -673,95 +672,7 @@
               <a:pPr lvl="0">
                 <a:defRPr/>
               </a:pPr>
-              <a:t>7</a:t>
-            </a:fld>
-            <a:endParaRPr lang="en-US" altLang="en-US"/>
-          </a:p>
-        </p:txBody>
-      </p:sp>
-    </p:spTree>
-  </p:cSld>
-  <p:clrMapOvr>
-    <a:masterClrMapping/>
-  </p:clrMapOvr>
-</p:notes>
-</file>
-
-<file path=ppt/notesSlides/notesSlide3.xml><?xml version="1.0" encoding="utf-8"?>
-<p:notes xmlns:a="http://schemas.openxmlformats.org/drawingml/2006/main" xmlns:r="http://schemas.openxmlformats.org/officeDocument/2006/relationships" xmlns:p="http://schemas.openxmlformats.org/presentationml/2006/main">
-  <p:cSld>
-    <p:spTree>
-      <p:nvGrpSpPr>
-        <p:cNvPr id="1" name=""/>
-        <p:cNvGrpSpPr/>
-        <p:nvPr/>
-      </p:nvGrpSpPr>
-      <p:grpSpPr>
-        <a:xfrm>
-          <a:off x="0" y="0"/>
-          <a:ext cx="0" cy="0"/>
-          <a:chOff x="0" y="0"/>
-          <a:chExt cx="0" cy="0"/>
-        </a:xfrm>
-      </p:grpSpPr>
-      <p:sp>
-        <p:nvSpPr>
-          <p:cNvPr id="2" name="슬라이드 이미지 개체 틀 1"/>
-          <p:cNvSpPr>
-            <a:spLocks noGrp="1" noRot="1" noChangeAspect="1" noTextEdit="1"/>
-          </p:cNvSpPr>
-          <p:nvPr>
-            <p:ph type="sldImg"/>
-          </p:nvPr>
-        </p:nvSpPr>
-        <p:spPr/>
-      </p:sp>
-      <p:sp>
-        <p:nvSpPr>
-          <p:cNvPr id="3" name="슬라이드 노트 개체 틀 2"/>
-          <p:cNvSpPr>
-            <a:spLocks noGrp="1"/>
-          </p:cNvSpPr>
-          <p:nvPr>
-            <p:ph type="body" idx="1"/>
-          </p:nvPr>
-        </p:nvSpPr>
-        <p:spPr/>
-        <p:txBody>
-          <a:bodyPr/>
-          <a:lstStyle/>
-          <a:p>
-            <a:pPr lvl="0">
-              <a:defRPr/>
-            </a:pPr>
-            <a:endParaRPr lang="ko-KR" altLang="en-US"/>
-          </a:p>
-        </p:txBody>
-      </p:sp>
-      <p:sp>
-        <p:nvSpPr>
-          <p:cNvPr id="4" name="슬라이드 번호 개체 틀 3"/>
-          <p:cNvSpPr>
-            <a:spLocks noGrp="1"/>
-          </p:cNvSpPr>
-          <p:nvPr>
-            <p:ph type="sldNum" sz="quarter" idx="10"/>
-          </p:nvPr>
-        </p:nvSpPr>
-        <p:spPr/>
-        <p:txBody>
-          <a:bodyPr/>
-          <a:lstStyle/>
-          <a:p>
-            <a:pPr lvl="0">
-              <a:defRPr/>
-            </a:pPr>
-            <a:fld id="{84B52357-44BE-4A30-8918-E73226DF8148}" type="slidenum">
-              <a:rPr lang="en-US" altLang="en-US"/>
-              <a:pPr lvl="0">
-                <a:defRPr/>
-              </a:pPr>
-              <a:t>9</a:t>
+              <a:t>8</a:t>
             </a:fld>
             <a:endParaRPr lang="en-US" altLang="en-US"/>
           </a:p>
@@ -11150,64 +11061,6 @@
 </p:sld>
 </file>
 
-<file path=ppt/slides/slide10.xml><?xml version="1.0" encoding="utf-8"?>
-<p:sld xmlns:a="http://schemas.openxmlformats.org/drawingml/2006/main" xmlns:r="http://schemas.openxmlformats.org/officeDocument/2006/relationships" xmlns:p="http://schemas.openxmlformats.org/presentationml/2006/main">
-  <p:cSld>
-    <p:spTree>
-      <p:nvGrpSpPr>
-        <p:cNvPr id="1" name=""/>
-        <p:cNvGrpSpPr/>
-        <p:nvPr/>
-      </p:nvGrpSpPr>
-      <p:grpSpPr>
-        <a:xfrm>
-          <a:off x="0" y="0"/>
-          <a:ext cx="0" cy="0"/>
-          <a:chOff x="0" y="0"/>
-          <a:chExt cx="0" cy="0"/>
-        </a:xfrm>
-      </p:grpSpPr>
-      <p:sp>
-        <p:nvSpPr>
-          <p:cNvPr id="4" name="Content Placeholder 2"/>
-          <p:cNvSpPr>
-            <a:spLocks noGrp="1"/>
-          </p:cNvSpPr>
-          <p:nvPr>
-            <p:ph idx="1"/>
-          </p:nvPr>
-        </p:nvSpPr>
-        <p:spPr/>
-        <p:txBody>
-          <a:bodyPr/>
-          <a:lstStyle/>
-          <a:p>
-            <a:pPr>
-              <a:defRPr/>
-            </a:pPr>
-            <a:r>
-              <a:rPr lang="en-US" altLang="ko-KR" sz="8000"/>
-              <a:t>Thank You</a:t>
-            </a:r>
-          </a:p>
-        </p:txBody>
-      </p:sp>
-    </p:spTree>
-  </p:cSld>
-  <p:clrMapOvr>
-    <a:masterClrMapping/>
-  </p:clrMapOvr>
-  <mc:AlternateContent xmlns:mc="http://schemas.openxmlformats.org/markup-compatibility/2006" xmlns:p14="http://schemas.microsoft.com/office/powerpoint/2010/main">
-    <mc:Choice Requires="p14">
-      <p:transition/>
-    </mc:Choice>
-    <mc:Fallback xmlns:dsp="http://schemas.microsoft.com/office/drawing/2008/diagram" xmlns:dgm="http://schemas.openxmlformats.org/drawingml/2006/diagram" xmlns:c="http://schemas.openxmlformats.org/drawingml/2006/chart" xmlns="">
-      <p:transition/>
-    </mc:Fallback>
-  </mc:AlternateContent>
-</p:sld>
-</file>
-
 <file path=ppt/slides/slide2.xml><?xml version="1.0" encoding="utf-8"?>
 <p:sld xmlns:a="http://schemas.openxmlformats.org/drawingml/2006/main" xmlns:r="http://schemas.openxmlformats.org/officeDocument/2006/relationships" xmlns:p="http://schemas.openxmlformats.org/presentationml/2006/main">
   <p:cSld>
@@ -11389,46 +11242,12 @@
               <a:defRPr/>
             </a:pPr>
             <a:r>
-              <a:rPr lang="en-US" altLang="ko-KR" dirty="0">
-                <a:solidFill>
-                  <a:schemeClr val="bg1"/>
-                </a:solidFill>
-              </a:rPr>
-              <a:t>05. </a:t>
-            </a:r>
-            <a:r>
-              <a:rPr lang="en-US" altLang="ko-KR" dirty="0"/>
-              <a:t>S</a:t>
-            </a:r>
-            <a:r>
-              <a:rPr lang="ko-KR" altLang="en-US" dirty="0" err="1"/>
-              <a:t>core</a:t>
-            </a:r>
-            <a:r>
-              <a:rPr lang="ko-KR" altLang="en-US" dirty="0"/>
-              <a:t> </a:t>
-            </a:r>
-            <a:r>
-              <a:rPr lang="en-US" altLang="ko-KR" dirty="0"/>
-              <a:t>R</a:t>
-            </a:r>
-            <a:r>
-              <a:rPr lang="ko-KR" altLang="en-US" dirty="0" err="1"/>
-              <a:t>ecord</a:t>
-            </a:r>
-            <a:endParaRPr lang="en-US" altLang="ko-KR" dirty="0"/>
-          </a:p>
-          <a:p>
-            <a:pPr lvl="0" algn="l">
-              <a:defRPr/>
-            </a:pPr>
-            <a:r>
-              <a:rPr lang="en-US" altLang="ko-KR" dirty="0">
+              <a:rPr lang="en-US" altLang="ko-KR">
                 <a:solidFill>
                   <a:srgbClr val="DF2985"/>
                 </a:solidFill>
               </a:rPr>
-              <a:t>06. </a:t>
+              <a:t>05. </a:t>
             </a:r>
             <a:r>
               <a:rPr lang="en-US" altLang="ko-KR" dirty="0"/>
@@ -13702,464 +13521,6 @@
           <a:chExt cx="0" cy="0"/>
         </a:xfrm>
       </p:grpSpPr>
-      <p:sp>
-        <p:nvSpPr>
-          <p:cNvPr id="6" name="슬라이드 번호 개체 틀 5"/>
-          <p:cNvSpPr>
-            <a:spLocks noGrp="1"/>
-          </p:cNvSpPr>
-          <p:nvPr>
-            <p:ph type="sldNum" sz="quarter" idx="12"/>
-          </p:nvPr>
-        </p:nvSpPr>
-        <p:spPr/>
-        <p:txBody>
-          <a:bodyPr/>
-          <a:lstStyle/>
-          <a:p>
-            <a:pPr lvl="0">
-              <a:defRPr/>
-            </a:pPr>
-            <a:fld id="{65F3B4B6-8735-410C-A595-1695EF3E2408}" type="slidenum">
-              <a:rPr lang="en-US" altLang="en-US"/>
-              <a:pPr lvl="0">
-                <a:defRPr/>
-              </a:pPr>
-              <a:t>7</a:t>
-            </a:fld>
-            <a:endParaRPr lang="en-US" altLang="en-US"/>
-          </a:p>
-        </p:txBody>
-      </p:sp>
-      <p:sp>
-        <p:nvSpPr>
-          <p:cNvPr id="2" name="제목 1"/>
-          <p:cNvSpPr>
-            <a:spLocks noGrp="1"/>
-          </p:cNvSpPr>
-          <p:nvPr>
-            <p:ph type="title"/>
-          </p:nvPr>
-        </p:nvSpPr>
-        <p:spPr>
-          <a:xfrm>
-            <a:off x="235550" y="117000"/>
-            <a:ext cx="4336450" cy="1152001"/>
-          </a:xfrm>
-        </p:spPr>
-        <p:txBody>
-          <a:bodyPr/>
-          <a:lstStyle/>
-          <a:p>
-            <a:pPr lvl="0">
-              <a:defRPr/>
-            </a:pPr>
-            <a:r>
-              <a:rPr lang="en-US" altLang="ko-KR"/>
-              <a:t>S</a:t>
-            </a:r>
-            <a:r>
-              <a:rPr lang="ko-KR" altLang="en-US"/>
-              <a:t>core </a:t>
-            </a:r>
-            <a:r>
-              <a:rPr lang="en-US" altLang="ko-KR"/>
-              <a:t>R</a:t>
-            </a:r>
-            <a:r>
-              <a:rPr lang="ko-KR" altLang="en-US"/>
-              <a:t>ecord</a:t>
-            </a:r>
-          </a:p>
-        </p:txBody>
-      </p:sp>
-      <p:sp>
-        <p:nvSpPr>
-          <p:cNvPr id="7" name="내용 개체 틀 6"/>
-          <p:cNvSpPr>
-            <a:spLocks noGrp="1"/>
-          </p:cNvSpPr>
-          <p:nvPr>
-            <p:ph idx="1"/>
-          </p:nvPr>
-        </p:nvSpPr>
-        <p:spPr/>
-        <p:txBody>
-          <a:bodyPr/>
-          <a:lstStyle/>
-          <a:p>
-            <a:pPr lvl="0">
-              <a:defRPr/>
-            </a:pPr>
-            <a:endParaRPr lang="en-US" altLang="ko-KR"/>
-          </a:p>
-          <a:p>
-            <a:pPr lvl="0">
-              <a:defRPr/>
-            </a:pPr>
-            <a:endParaRPr lang="en-US" altLang="ko-KR"/>
-          </a:p>
-          <a:p>
-            <a:pPr lvl="0">
-              <a:defRPr/>
-            </a:pPr>
-            <a:endParaRPr lang="en-US" altLang="ko-KR"/>
-          </a:p>
-          <a:p>
-            <a:pPr lvl="0">
-              <a:defRPr/>
-            </a:pPr>
-            <a:endParaRPr lang="en-US" altLang="ko-KR"/>
-          </a:p>
-          <a:p>
-            <a:pPr lvl="0">
-              <a:defRPr/>
-            </a:pPr>
-            <a:r>
-              <a:rPr lang="en-US" altLang="ko-KR"/>
-              <a:t>VIDEO GAME</a:t>
-            </a:r>
-          </a:p>
-          <a:p>
-            <a:pPr lvl="0">
-              <a:defRPr/>
-            </a:pPr>
-            <a:endParaRPr lang="ko-KR" altLang="en-US"/>
-          </a:p>
-        </p:txBody>
-      </p:sp>
-      <p:sp>
-        <p:nvSpPr>
-          <p:cNvPr id="4" name="텍스트 개체 틀 3"/>
-          <p:cNvSpPr>
-            <a:spLocks noGrp="1"/>
-          </p:cNvSpPr>
-          <p:nvPr>
-            <p:ph type="body" sz="quarter" idx="13"/>
-          </p:nvPr>
-        </p:nvSpPr>
-        <p:spPr/>
-        <p:txBody>
-          <a:bodyPr>
-            <a:normAutofit fontScale="92500" lnSpcReduction="10000"/>
-          </a:bodyPr>
-          <a:lstStyle/>
-          <a:p>
-            <a:pPr lvl="0">
-              <a:defRPr/>
-            </a:pPr>
-            <a:r>
-              <a:rPr lang="en-US" altLang="ko-KR">
-                <a:solidFill>
-                  <a:schemeClr val="tx1">
-                    <a:lumMod val="95000"/>
-                    <a:lumOff val="5000"/>
-                  </a:schemeClr>
-                </a:solidFill>
-              </a:rPr>
-              <a:t>Record the score in the txt file !!!</a:t>
-            </a:r>
-          </a:p>
-        </p:txBody>
-      </p:sp>
-      <p:sp>
-        <p:nvSpPr>
-          <p:cNvPr id="12" name="십자형 11"/>
-          <p:cNvSpPr>
-            <a:spLocks noChangeAspect="1"/>
-          </p:cNvSpPr>
-          <p:nvPr/>
-        </p:nvSpPr>
-        <p:spPr>
-          <a:xfrm>
-            <a:off x="4520625" y="5195100"/>
-            <a:ext cx="99000" cy="99000"/>
-          </a:xfrm>
-          <a:prstGeom prst="plus">
-            <a:avLst>
-              <a:gd name="adj" fmla="val 25000"/>
-            </a:avLst>
-          </a:prstGeom>
-          <a:solidFill>
-            <a:srgbClr val="FFFA8F"/>
-          </a:solidFill>
-          <a:ln>
-            <a:solidFill>
-              <a:schemeClr val="accent1">
-                <a:shade val="50000"/>
-                <a:alpha val="0"/>
-              </a:schemeClr>
-            </a:solidFill>
-          </a:ln>
-          <a:effectLst/>
-        </p:spPr>
-        <p:style>
-          <a:lnRef idx="2">
-            <a:schemeClr val="accent1">
-              <a:shade val="50000"/>
-            </a:schemeClr>
-          </a:lnRef>
-          <a:fillRef idx="1">
-            <a:schemeClr val="accent1"/>
-          </a:fillRef>
-          <a:effectRef idx="0">
-            <a:schemeClr val="accent1"/>
-          </a:effectRef>
-          <a:fontRef idx="minor">
-            <a:schemeClr val="lt1"/>
-          </a:fontRef>
-        </p:style>
-        <p:txBody>
-          <a:bodyPr anchor="ctr"/>
-          <a:lstStyle/>
-          <a:p>
-            <a:pPr algn="ctr">
-              <a:defRPr/>
-            </a:pPr>
-            <a:endParaRPr lang="ko-KR" altLang="en-US"/>
-          </a:p>
-        </p:txBody>
-      </p:sp>
-      <p:pic>
-        <p:nvPicPr>
-          <p:cNvPr id="13" name="그림 12"/>
-          <p:cNvPicPr>
-            <a:picLocks noChangeAspect="1"/>
-          </p:cNvPicPr>
-          <p:nvPr/>
-        </p:nvPicPr>
-        <p:blipFill rotWithShape="1">
-          <a:blip r:embed="rId3"/>
-          <a:stretch>
-            <a:fillRect/>
-          </a:stretch>
-        </p:blipFill>
-        <p:spPr>
-          <a:xfrm>
-            <a:off x="2700000" y="1509196"/>
-            <a:ext cx="3744000" cy="1775803"/>
-          </a:xfrm>
-          <a:prstGeom prst="rect">
-            <a:avLst/>
-          </a:prstGeom>
-        </p:spPr>
-      </p:pic>
-      <p:pic>
-        <p:nvPicPr>
-          <p:cNvPr id="14" name="그림 13"/>
-          <p:cNvPicPr>
-            <a:picLocks noChangeAspect="1"/>
-          </p:cNvPicPr>
-          <p:nvPr/>
-        </p:nvPicPr>
-        <p:blipFill rotWithShape="1">
-          <a:blip r:embed="rId4"/>
-          <a:stretch>
-            <a:fillRect/>
-          </a:stretch>
-        </p:blipFill>
-        <p:spPr>
-          <a:xfrm>
-            <a:off x="323712" y="2757180"/>
-            <a:ext cx="2304288" cy="2543819"/>
-          </a:xfrm>
-          <a:prstGeom prst="rect">
-            <a:avLst/>
-          </a:prstGeom>
-        </p:spPr>
-      </p:pic>
-      <p:pic>
-        <p:nvPicPr>
-          <p:cNvPr id="15" name="그림 14"/>
-          <p:cNvPicPr>
-            <a:picLocks noChangeAspect="1"/>
-          </p:cNvPicPr>
-          <p:nvPr/>
-        </p:nvPicPr>
-        <p:blipFill rotWithShape="1">
-          <a:blip r:embed="rId5"/>
-          <a:stretch>
-            <a:fillRect/>
-          </a:stretch>
-        </p:blipFill>
-        <p:spPr>
-          <a:xfrm>
-            <a:off x="2700000" y="3429000"/>
-            <a:ext cx="3744000" cy="3153039"/>
-          </a:xfrm>
-          <a:prstGeom prst="rect">
-            <a:avLst/>
-          </a:prstGeom>
-        </p:spPr>
-      </p:pic>
-      <p:pic>
-        <p:nvPicPr>
-          <p:cNvPr id="16" name="그림 15"/>
-          <p:cNvPicPr>
-            <a:picLocks noChangeAspect="1"/>
-          </p:cNvPicPr>
-          <p:nvPr/>
-        </p:nvPicPr>
-        <p:blipFill rotWithShape="1">
-          <a:blip r:embed="rId6"/>
-          <a:stretch>
-            <a:fillRect/>
-          </a:stretch>
-        </p:blipFill>
-        <p:spPr>
-          <a:xfrm>
-            <a:off x="6515712" y="2493000"/>
-            <a:ext cx="2304288" cy="3074176"/>
-          </a:xfrm>
-          <a:prstGeom prst="rect">
-            <a:avLst/>
-          </a:prstGeom>
-        </p:spPr>
-      </p:pic>
-    </p:spTree>
-  </p:cSld>
-  <p:clrMapOvr>
-    <a:masterClrMapping/>
-  </p:clrMapOvr>
-  <p:timing>
-    <p:tnLst>
-      <p:par>
-        <p:cTn id="1" dur="indefinite" restart="never" nodeType="tmRoot">
-          <p:childTnLst>
-            <p:seq concurrent="1" nextAc="seek">
-              <p:cTn id="2" dur="indefinite" nodeType="mainSeq">
-                <p:childTnLst>
-                  <p:par>
-                    <p:cTn id="3" fill="hold">
-                      <p:stCondLst>
-                        <p:cond delay="indefinite"/>
-                        <p:cond evt="onBegin" delay="0">
-                          <p:tn val="2"/>
-                        </p:cond>
-                      </p:stCondLst>
-                      <p:childTnLst>
-                        <p:par>
-                          <p:cTn id="4" fill="hold">
-                            <p:stCondLst>
-                              <p:cond delay="0"/>
-                            </p:stCondLst>
-                            <p:childTnLst>
-                              <p:par>
-                                <p:cTn id="5" presetID="27" presetClass="emph" presetSubtype="0" repeatCount="indefinite" fill="remove" grpId="0" nodeType="withEffect">
-                                  <p:stCondLst>
-                                    <p:cond delay="100"/>
-                                  </p:stCondLst>
-                                  <p:childTnLst>
-                                    <p:animClr clrSpc="rgb" dir="cw">
-                                      <p:cBhvr>
-                                        <p:cTn id="6" dur="625" autoRev="1" fill="remove"/>
-                                        <p:tgtEl>
-                                          <p:spTgt spid="12"/>
-                                        </p:tgtEl>
-                                        <p:attrNameLst>
-                                          <p:attrName>style.color</p:attrName>
-                                        </p:attrNameLst>
-                                      </p:cBhvr>
-                                      <p:to>
-                                        <a:srgbClr val="DF2985"/>
-                                      </p:to>
-                                    </p:animClr>
-                                    <p:animClr clrSpc="rgb" dir="cw">
-                                      <p:cBhvr>
-                                        <p:cTn id="7" dur="625" autoRev="1" fill="remove"/>
-                                        <p:tgtEl>
-                                          <p:spTgt spid="12"/>
-                                        </p:tgtEl>
-                                        <p:attrNameLst>
-                                          <p:attrName>fillcolor</p:attrName>
-                                        </p:attrNameLst>
-                                      </p:cBhvr>
-                                      <p:to>
-                                        <a:srgbClr val="DF2985"/>
-                                      </p:to>
-                                    </p:animClr>
-                                    <p:set>
-                                      <p:cBhvr>
-                                        <p:cTn id="8" dur="625" autoRev="1" fill="remove"/>
-                                        <p:tgtEl>
-                                          <p:spTgt spid="12"/>
-                                        </p:tgtEl>
-                                        <p:attrNameLst>
-                                          <p:attrName>fill.type</p:attrName>
-                                        </p:attrNameLst>
-                                      </p:cBhvr>
-                                      <p:to>
-                                        <p:strVal val="solid"/>
-                                      </p:to>
-                                    </p:set>
-                                    <p:set>
-                                      <p:cBhvr>
-                                        <p:cTn id="9" dur="625" autoRev="1" fill="remove"/>
-                                        <p:tgtEl>
-                                          <p:spTgt spid="12"/>
-                                        </p:tgtEl>
-                                        <p:attrNameLst>
-                                          <p:attrName>fill.on</p:attrName>
-                                        </p:attrNameLst>
-                                      </p:cBhvr>
-                                      <p:to>
-                                        <p:strVal val="true"/>
-                                      </p:to>
-                                    </p:set>
-                                  </p:childTnLst>
-                                </p:cTn>
-                              </p:par>
-                            </p:childTnLst>
-                          </p:cTn>
-                        </p:par>
-                      </p:childTnLst>
-                    </p:cTn>
-                  </p:par>
-                </p:childTnLst>
-              </p:cTn>
-              <p:prevCondLst>
-                <p:cond evt="onPrev" delay="0">
-                  <p:tgtEl>
-                    <p:sldTgt/>
-                  </p:tgtEl>
-                </p:cond>
-              </p:prevCondLst>
-              <p:nextCondLst>
-                <p:cond evt="onNext" delay="0">
-                  <p:tgtEl>
-                    <p:sldTgt/>
-                  </p:tgtEl>
-                </p:cond>
-              </p:nextCondLst>
-            </p:seq>
-          </p:childTnLst>
-        </p:cTn>
-      </p:par>
-    </p:tnLst>
-    <p:bldLst>
-      <p:bldP spid="12" grpId="0" animBg="1"/>
-    </p:bldLst>
-  </p:timing>
-</p:sld>
-</file>
-
-<file path=ppt/slides/slide8.xml><?xml version="1.0" encoding="utf-8"?>
-<p:sld xmlns:a="http://schemas.openxmlformats.org/drawingml/2006/main" xmlns:r="http://schemas.openxmlformats.org/officeDocument/2006/relationships" xmlns:p="http://schemas.openxmlformats.org/presentationml/2006/main">
-  <p:cSld>
-    <p:spTree>
-      <p:nvGrpSpPr>
-        <p:cNvPr id="1" name=""/>
-        <p:cNvGrpSpPr/>
-        <p:nvPr/>
-      </p:nvGrpSpPr>
-      <p:grpSpPr>
-        <a:xfrm>
-          <a:off x="0" y="0"/>
-          <a:ext cx="0" cy="0"/>
-          <a:chOff x="0" y="0"/>
-          <a:chExt cx="0" cy="0"/>
-        </a:xfrm>
-      </p:grpSpPr>
       <p:pic>
         <p:nvPicPr>
           <p:cNvPr id="2" name="Hex_Ris Trailer.mp4">
@@ -14231,7 +13592,7 @@
               <a:pPr lvl="0">
                 <a:defRPr/>
               </a:pPr>
-              <a:t>8</a:t>
+              <a:t>7</a:t>
             </a:fld>
             <a:endParaRPr lang="en-US" altLang="en-US"/>
           </a:p>
@@ -14324,7 +13685,7 @@
     <mc:Choice Requires="p14">
       <p:transition/>
     </mc:Choice>
-    <mc:Fallback xmlns:dsp="http://schemas.microsoft.com/office/drawing/2008/diagram" xmlns:dgm="http://schemas.openxmlformats.org/drawingml/2006/diagram" xmlns:c="http://schemas.openxmlformats.org/drawingml/2006/chart" xmlns="">
+    <mc:Fallback xmlns="" xmlns:c="http://schemas.openxmlformats.org/drawingml/2006/chart" xmlns:dgm="http://schemas.openxmlformats.org/drawingml/2006/diagram" xmlns:dsp="http://schemas.microsoft.com/office/drawing/2008/diagram">
       <p:transition/>
     </mc:Fallback>
   </mc:AlternateContent>
@@ -14411,7 +13772,7 @@
 </p:sld>
 </file>
 
-<file path=ppt/slides/slide9.xml><?xml version="1.0" encoding="utf-8"?>
+<file path=ppt/slides/slide8.xml><?xml version="1.0" encoding="utf-8"?>
 <p:sld xmlns:a="http://schemas.openxmlformats.org/drawingml/2006/main" xmlns:r="http://schemas.openxmlformats.org/officeDocument/2006/relationships" xmlns:p="http://schemas.openxmlformats.org/presentationml/2006/main">
   <p:cSld>
     <p:spTree>
@@ -14451,7 +13812,7 @@
               <a:pPr lvl="0">
                 <a:defRPr/>
               </a:pPr>
-              <a:t>9</a:t>
+              <a:t>8</a:t>
             </a:fld>
             <a:endParaRPr lang="en-US" altLang="en-US" dirty="0"/>
           </a:p>
@@ -14969,6 +14330,64 @@
       <p:bldP spid="12" grpId="0" animBg="1"/>
     </p:bldLst>
   </p:timing>
+</p:sld>
+</file>
+
+<file path=ppt/slides/slide9.xml><?xml version="1.0" encoding="utf-8"?>
+<p:sld xmlns:a="http://schemas.openxmlformats.org/drawingml/2006/main" xmlns:r="http://schemas.openxmlformats.org/officeDocument/2006/relationships" xmlns:p="http://schemas.openxmlformats.org/presentationml/2006/main">
+  <p:cSld>
+    <p:spTree>
+      <p:nvGrpSpPr>
+        <p:cNvPr id="1" name=""/>
+        <p:cNvGrpSpPr/>
+        <p:nvPr/>
+      </p:nvGrpSpPr>
+      <p:grpSpPr>
+        <a:xfrm>
+          <a:off x="0" y="0"/>
+          <a:ext cx="0" cy="0"/>
+          <a:chOff x="0" y="0"/>
+          <a:chExt cx="0" cy="0"/>
+        </a:xfrm>
+      </p:grpSpPr>
+      <p:sp>
+        <p:nvSpPr>
+          <p:cNvPr id="4" name="Content Placeholder 2"/>
+          <p:cNvSpPr>
+            <a:spLocks noGrp="1"/>
+          </p:cNvSpPr>
+          <p:nvPr>
+            <p:ph idx="1"/>
+          </p:nvPr>
+        </p:nvSpPr>
+        <p:spPr/>
+        <p:txBody>
+          <a:bodyPr/>
+          <a:lstStyle/>
+          <a:p>
+            <a:pPr>
+              <a:defRPr/>
+            </a:pPr>
+            <a:r>
+              <a:rPr lang="en-US" altLang="ko-KR" sz="8000"/>
+              <a:t>Thank You</a:t>
+            </a:r>
+          </a:p>
+        </p:txBody>
+      </p:sp>
+    </p:spTree>
+  </p:cSld>
+  <p:clrMapOvr>
+    <a:masterClrMapping/>
+  </p:clrMapOvr>
+  <mc:AlternateContent xmlns:mc="http://schemas.openxmlformats.org/markup-compatibility/2006" xmlns:p14="http://schemas.microsoft.com/office/powerpoint/2010/main">
+    <mc:Choice Requires="p14">
+      <p:transition/>
+    </mc:Choice>
+    <mc:Fallback xmlns="" xmlns:c="http://schemas.openxmlformats.org/drawingml/2006/chart" xmlns:dgm="http://schemas.openxmlformats.org/drawingml/2006/diagram" xmlns:dsp="http://schemas.microsoft.com/office/drawing/2008/diagram">
+      <p:transition/>
+    </mc:Fallback>
+  </mc:AlternateContent>
 </p:sld>
 </file>
 

--- a/HEX_PPT.pptx
+++ b/HEX_PPT.pptx
@@ -11160,7 +11160,11 @@
             </a:r>
             <a:r>
               <a:rPr lang="en-US" altLang="ko-KR" dirty="0"/>
-              <a:t>About Game</a:t>
+              <a:t>About </a:t>
+            </a:r>
+            <a:r>
+              <a:rPr lang="en-US" altLang="ko-KR" dirty="0" err="1"/>
+              <a:t>Hex_Ris</a:t>
             </a:r>
             <a:endParaRPr lang="en-US" altLang="ko-KR" dirty="0">
               <a:solidFill>
@@ -11242,7 +11246,7 @@
               <a:defRPr/>
             </a:pPr>
             <a:r>
-              <a:rPr lang="en-US" altLang="ko-KR">
+              <a:rPr lang="en-US" altLang="ko-KR" dirty="0">
                 <a:solidFill>
                   <a:srgbClr val="DF2985"/>
                 </a:solidFill>
@@ -11411,7 +11415,14 @@
                 <a:latin typeface="배달의민족 한나"/>
                 <a:ea typeface="배달의민족 한나"/>
               </a:rPr>
-              <a:t>About Game</a:t>
+              <a:t>About </a:t>
+            </a:r>
+            <a:r>
+              <a:rPr lang="en-US" altLang="ko-KR" dirty="0" err="1">
+                <a:latin typeface="배달의민족 한나"/>
+                <a:ea typeface="배달의민족 한나"/>
+              </a:rPr>
+              <a:t>Hex_Ris</a:t>
             </a:r>
             <a:endParaRPr lang="ko-KR" altLang="en-US" sz="4800" dirty="0">
               <a:latin typeface="배달의민족 한나"/>
@@ -11495,7 +11506,7 @@
         </p:nvSpPr>
         <p:spPr>
           <a:xfrm>
-            <a:off x="828000" y="3100099"/>
+            <a:off x="828000" y="1914461"/>
             <a:ext cx="3176113" cy="1152525"/>
           </a:xfrm>
           <a:prstGeom prst="rect">
@@ -11569,7 +11580,7 @@
         </p:nvSpPr>
         <p:spPr>
           <a:xfrm>
-            <a:off x="5902052" y="3068995"/>
+            <a:off x="5796000" y="1914461"/>
             <a:ext cx="2520000" cy="1152525"/>
           </a:xfrm>
           <a:prstGeom prst="rect">
@@ -11643,7 +11654,7 @@
         </p:nvSpPr>
         <p:spPr>
           <a:xfrm>
-            <a:off x="3564000" y="3084547"/>
+            <a:off x="3564000" y="1914461"/>
             <a:ext cx="2520000" cy="1152525"/>
           </a:xfrm>
           <a:prstGeom prst="rect">
@@ -11717,7 +11728,7 @@
         </p:nvSpPr>
         <p:spPr>
           <a:xfrm>
-            <a:off x="4152522" y="5588636"/>
+            <a:off x="2745000" y="5839540"/>
             <a:ext cx="4374000" cy="1152525"/>
           </a:xfrm>
           <a:prstGeom prst="rect">
@@ -11796,6 +11807,78 @@
           </a:p>
         </p:txBody>
       </p:sp>
+      <p:pic>
+        <p:nvPicPr>
+          <p:cNvPr id="15" name="그림 14" descr="어둠, 우주, 야외, 밤이(가) 표시된 사진&#10;&#10;자동 생성된 설명">
+            <a:extLst>
+              <a:ext uri="{FF2B5EF4-FFF2-40B4-BE49-F238E27FC236}">
+                <a16:creationId xmlns:a16="http://schemas.microsoft.com/office/drawing/2014/main" id="{5F1AE539-8CF9-6CE1-DDFE-ECE7FC868DED}"/>
+              </a:ext>
+            </a:extLst>
+          </p:cNvPr>
+          <p:cNvPicPr>
+            <a:picLocks noChangeAspect="1"/>
+          </p:cNvPicPr>
+          <p:nvPr/>
+        </p:nvPicPr>
+        <p:blipFill>
+          <a:blip r:embed="rId2">
+            <a:extLst>
+              <a:ext uri="{28A0092B-C50C-407E-A947-70E740481C1C}">
+                <a14:useLocalDpi xmlns:a14="http://schemas.microsoft.com/office/drawing/2010/main" val="0"/>
+              </a:ext>
+            </a:extLst>
+          </a:blip>
+          <a:stretch>
+            <a:fillRect/>
+          </a:stretch>
+        </p:blipFill>
+        <p:spPr>
+          <a:xfrm>
+            <a:off x="5196350" y="3426038"/>
+            <a:ext cx="3479650" cy="2166667"/>
+          </a:xfrm>
+          <a:prstGeom prst="rect">
+            <a:avLst/>
+          </a:prstGeom>
+        </p:spPr>
+      </p:pic>
+      <p:pic>
+        <p:nvPicPr>
+          <p:cNvPr id="17" name="그림 16" descr="스크린샷, 대칭, 라인, 디자인이(가) 표시된 사진&#10;&#10;자동 생성된 설명">
+            <a:extLst>
+              <a:ext uri="{FF2B5EF4-FFF2-40B4-BE49-F238E27FC236}">
+                <a16:creationId xmlns:a16="http://schemas.microsoft.com/office/drawing/2014/main" id="{ECAE23C8-598D-C371-90DE-3BCA4B195AAA}"/>
+              </a:ext>
+            </a:extLst>
+          </p:cNvPr>
+          <p:cNvPicPr>
+            <a:picLocks noChangeAspect="1"/>
+          </p:cNvPicPr>
+          <p:nvPr/>
+        </p:nvPicPr>
+        <p:blipFill>
+          <a:blip r:embed="rId3">
+            <a:extLst>
+              <a:ext uri="{28A0092B-C50C-407E-A947-70E740481C1C}">
+                <a14:useLocalDpi xmlns:a14="http://schemas.microsoft.com/office/drawing/2010/main" val="0"/>
+              </a:ext>
+            </a:extLst>
+          </a:blip>
+          <a:stretch>
+            <a:fillRect/>
+          </a:stretch>
+        </p:blipFill>
+        <p:spPr>
+          <a:xfrm>
+            <a:off x="583462" y="3426037"/>
+            <a:ext cx="3611112" cy="2166667"/>
+          </a:xfrm>
+          <a:prstGeom prst="rect">
+            <a:avLst/>
+          </a:prstGeom>
+        </p:spPr>
+      </p:pic>
     </p:spTree>
     <p:extLst>
       <p:ext uri="{BB962C8B-B14F-4D97-AF65-F5344CB8AC3E}">
@@ -13685,7 +13768,7 @@
     <mc:Choice Requires="p14">
       <p:transition/>
     </mc:Choice>
-    <mc:Fallback xmlns="" xmlns:c="http://schemas.openxmlformats.org/drawingml/2006/chart" xmlns:dgm="http://schemas.openxmlformats.org/drawingml/2006/diagram" xmlns:dsp="http://schemas.microsoft.com/office/drawing/2008/diagram">
+    <mc:Fallback xmlns:dsp="http://schemas.microsoft.com/office/drawing/2008/diagram" xmlns:dgm="http://schemas.openxmlformats.org/drawingml/2006/diagram" xmlns:c="http://schemas.openxmlformats.org/drawingml/2006/chart" xmlns="">
       <p:transition/>
     </mc:Fallback>
   </mc:AlternateContent>
@@ -14384,7 +14467,7 @@
     <mc:Choice Requires="p14">
       <p:transition/>
     </mc:Choice>
-    <mc:Fallback xmlns="" xmlns:c="http://schemas.openxmlformats.org/drawingml/2006/chart" xmlns:dgm="http://schemas.openxmlformats.org/drawingml/2006/diagram" xmlns:dsp="http://schemas.microsoft.com/office/drawing/2008/diagram">
+    <mc:Fallback xmlns:dsp="http://schemas.microsoft.com/office/drawing/2008/diagram" xmlns:dgm="http://schemas.openxmlformats.org/drawingml/2006/diagram" xmlns:c="http://schemas.openxmlformats.org/drawingml/2006/chart" xmlns="">
       <p:transition/>
     </mc:Fallback>
   </mc:AlternateContent>
